--- a/planning1.pptx
+++ b/planning1.pptx
@@ -104,6 +104,11 @@
       </a:defRPr>
     </a:lvl9pPr>
   </p:defaultTextStyle>
+  <p:extLst>
+    <p:ext uri="{EFAFB233-063F-42B5-8137-9DF3F51BA10A}">
+      <p15:sldGuideLst xmlns:p15="http://schemas.microsoft.com/office/powerpoint/2012/main"/>
+    </p:ext>
+  </p:extLst>
 </p:presentation>
 </file>
 
@@ -256,7 +261,7 @@
           <a:p>
             <a:fld id="{1EB1FFC7-7625-4DE6-9638-E310F1DA1D4B}" type="datetimeFigureOut">
               <a:rPr lang="es-US" smtClean="0"/>
-              <a:t>2/19/2024</a:t>
+              <a:t>2/21/2024</a:t>
             </a:fld>
             <a:endParaRPr lang="es-US"/>
           </a:p>
@@ -456,7 +461,7 @@
           <a:p>
             <a:fld id="{1EB1FFC7-7625-4DE6-9638-E310F1DA1D4B}" type="datetimeFigureOut">
               <a:rPr lang="es-US" smtClean="0"/>
-              <a:t>2/19/2024</a:t>
+              <a:t>2/21/2024</a:t>
             </a:fld>
             <a:endParaRPr lang="es-US"/>
           </a:p>
@@ -666,7 +671,7 @@
           <a:p>
             <a:fld id="{1EB1FFC7-7625-4DE6-9638-E310F1DA1D4B}" type="datetimeFigureOut">
               <a:rPr lang="es-US" smtClean="0"/>
-              <a:t>2/19/2024</a:t>
+              <a:t>2/21/2024</a:t>
             </a:fld>
             <a:endParaRPr lang="es-US"/>
           </a:p>
@@ -866,7 +871,7 @@
           <a:p>
             <a:fld id="{1EB1FFC7-7625-4DE6-9638-E310F1DA1D4B}" type="datetimeFigureOut">
               <a:rPr lang="es-US" smtClean="0"/>
-              <a:t>2/19/2024</a:t>
+              <a:t>2/21/2024</a:t>
             </a:fld>
             <a:endParaRPr lang="es-US"/>
           </a:p>
@@ -1142,7 +1147,7 @@
           <a:p>
             <a:fld id="{1EB1FFC7-7625-4DE6-9638-E310F1DA1D4B}" type="datetimeFigureOut">
               <a:rPr lang="es-US" smtClean="0"/>
-              <a:t>2/19/2024</a:t>
+              <a:t>2/21/2024</a:t>
             </a:fld>
             <a:endParaRPr lang="es-US"/>
           </a:p>
@@ -1410,7 +1415,7 @@
           <a:p>
             <a:fld id="{1EB1FFC7-7625-4DE6-9638-E310F1DA1D4B}" type="datetimeFigureOut">
               <a:rPr lang="es-US" smtClean="0"/>
-              <a:t>2/19/2024</a:t>
+              <a:t>2/21/2024</a:t>
             </a:fld>
             <a:endParaRPr lang="es-US"/>
           </a:p>
@@ -1825,7 +1830,7 @@
           <a:p>
             <a:fld id="{1EB1FFC7-7625-4DE6-9638-E310F1DA1D4B}" type="datetimeFigureOut">
               <a:rPr lang="es-US" smtClean="0"/>
-              <a:t>2/19/2024</a:t>
+              <a:t>2/21/2024</a:t>
             </a:fld>
             <a:endParaRPr lang="es-US"/>
           </a:p>
@@ -1967,7 +1972,7 @@
           <a:p>
             <a:fld id="{1EB1FFC7-7625-4DE6-9638-E310F1DA1D4B}" type="datetimeFigureOut">
               <a:rPr lang="es-US" smtClean="0"/>
-              <a:t>2/19/2024</a:t>
+              <a:t>2/21/2024</a:t>
             </a:fld>
             <a:endParaRPr lang="es-US"/>
           </a:p>
@@ -2080,7 +2085,7 @@
           <a:p>
             <a:fld id="{1EB1FFC7-7625-4DE6-9638-E310F1DA1D4B}" type="datetimeFigureOut">
               <a:rPr lang="es-US" smtClean="0"/>
-              <a:t>2/19/2024</a:t>
+              <a:t>2/21/2024</a:t>
             </a:fld>
             <a:endParaRPr lang="es-US"/>
           </a:p>
@@ -2393,7 +2398,7 @@
           <a:p>
             <a:fld id="{1EB1FFC7-7625-4DE6-9638-E310F1DA1D4B}" type="datetimeFigureOut">
               <a:rPr lang="es-US" smtClean="0"/>
-              <a:t>2/19/2024</a:t>
+              <a:t>2/21/2024</a:t>
             </a:fld>
             <a:endParaRPr lang="es-US"/>
           </a:p>
@@ -2682,7 +2687,7 @@
           <a:p>
             <a:fld id="{1EB1FFC7-7625-4DE6-9638-E310F1DA1D4B}" type="datetimeFigureOut">
               <a:rPr lang="es-US" smtClean="0"/>
-              <a:t>2/19/2024</a:t>
+              <a:t>2/21/2024</a:t>
             </a:fld>
             <a:endParaRPr lang="es-US"/>
           </a:p>
@@ -2925,7 +2930,7 @@
           <a:p>
             <a:fld id="{1EB1FFC7-7625-4DE6-9638-E310F1DA1D4B}" type="datetimeFigureOut">
               <a:rPr lang="es-US" smtClean="0"/>
-              <a:t>2/19/2024</a:t>
+              <a:t>2/21/2024</a:t>
             </a:fld>
             <a:endParaRPr lang="es-US"/>
           </a:p>
@@ -3452,7 +3457,7 @@
         </p:blipFill>
         <p:spPr>
           <a:xfrm>
-            <a:off x="5149324" y="3603538"/>
+            <a:off x="5173236" y="3603538"/>
             <a:ext cx="2755241" cy="2969279"/>
           </a:xfrm>
           <a:prstGeom prst="rect">
@@ -3664,56 +3669,6 @@
           </a:fontRef>
         </p:style>
       </p:pic>
-      <p:sp>
-        <p:nvSpPr>
-          <p:cNvPr id="20" name="Rectángulo 19">
-            <a:extLst>
-              <a:ext uri="{FF2B5EF4-FFF2-40B4-BE49-F238E27FC236}">
-                <a16:creationId xmlns:a16="http://schemas.microsoft.com/office/drawing/2014/main" id="{95551C3C-CD5F-B8EF-8364-76F39BC2766E}"/>
-              </a:ext>
-            </a:extLst>
-          </p:cNvPr>
-          <p:cNvSpPr/>
-          <p:nvPr/>
-        </p:nvSpPr>
-        <p:spPr>
-          <a:xfrm>
-            <a:off x="8056137" y="3539529"/>
-            <a:ext cx="2065722" cy="1020106"/>
-          </a:xfrm>
-          <a:prstGeom prst="rect">
-            <a:avLst/>
-          </a:prstGeom>
-        </p:spPr>
-        <p:style>
-          <a:lnRef idx="2">
-            <a:schemeClr val="accent1">
-              <a:shade val="15000"/>
-            </a:schemeClr>
-          </a:lnRef>
-          <a:fillRef idx="1">
-            <a:schemeClr val="accent1"/>
-          </a:fillRef>
-          <a:effectRef idx="0">
-            <a:schemeClr val="accent1"/>
-          </a:effectRef>
-          <a:fontRef idx="minor">
-            <a:schemeClr val="lt1"/>
-          </a:fontRef>
-        </p:style>
-        <p:txBody>
-          <a:bodyPr rtlCol="0" anchor="ctr"/>
-          <a:lstStyle/>
-          <a:p>
-            <a:pPr algn="ctr"/>
-            <a:r>
-              <a:rPr lang="en-US" dirty="0"/>
-              <a:t>E</a:t>
-            </a:r>
-            <a:endParaRPr lang="es-US" dirty="0"/>
-          </a:p>
-        </p:txBody>
-      </p:sp>
       <p:sp>
         <p:nvSpPr>
           <p:cNvPr id="21" name="Rectángulo 20">

--- a/planning1.pptx
+++ b/planning1.pptx
@@ -6,6 +6,7 @@
   </p:sldMasterIdLst>
   <p:sldIdLst>
     <p:sldId id="256" r:id="rId2"/>
+    <p:sldId id="257" r:id="rId3"/>
   </p:sldIdLst>
   <p:sldSz cx="12192000" cy="6858000"/>
   <p:notesSz cx="6858000" cy="9144000"/>
@@ -261,7 +262,7 @@
           <a:p>
             <a:fld id="{1EB1FFC7-7625-4DE6-9638-E310F1DA1D4B}" type="datetimeFigureOut">
               <a:rPr lang="es-US" smtClean="0"/>
-              <a:t>2/21/2024</a:t>
+              <a:t>2/28/2024</a:t>
             </a:fld>
             <a:endParaRPr lang="es-US"/>
           </a:p>
@@ -461,7 +462,7 @@
           <a:p>
             <a:fld id="{1EB1FFC7-7625-4DE6-9638-E310F1DA1D4B}" type="datetimeFigureOut">
               <a:rPr lang="es-US" smtClean="0"/>
-              <a:t>2/21/2024</a:t>
+              <a:t>2/28/2024</a:t>
             </a:fld>
             <a:endParaRPr lang="es-US"/>
           </a:p>
@@ -671,7 +672,7 @@
           <a:p>
             <a:fld id="{1EB1FFC7-7625-4DE6-9638-E310F1DA1D4B}" type="datetimeFigureOut">
               <a:rPr lang="es-US" smtClean="0"/>
-              <a:t>2/21/2024</a:t>
+              <a:t>2/28/2024</a:t>
             </a:fld>
             <a:endParaRPr lang="es-US"/>
           </a:p>
@@ -871,7 +872,7 @@
           <a:p>
             <a:fld id="{1EB1FFC7-7625-4DE6-9638-E310F1DA1D4B}" type="datetimeFigureOut">
               <a:rPr lang="es-US" smtClean="0"/>
-              <a:t>2/21/2024</a:t>
+              <a:t>2/28/2024</a:t>
             </a:fld>
             <a:endParaRPr lang="es-US"/>
           </a:p>
@@ -1147,7 +1148,7 @@
           <a:p>
             <a:fld id="{1EB1FFC7-7625-4DE6-9638-E310F1DA1D4B}" type="datetimeFigureOut">
               <a:rPr lang="es-US" smtClean="0"/>
-              <a:t>2/21/2024</a:t>
+              <a:t>2/28/2024</a:t>
             </a:fld>
             <a:endParaRPr lang="es-US"/>
           </a:p>
@@ -1415,7 +1416,7 @@
           <a:p>
             <a:fld id="{1EB1FFC7-7625-4DE6-9638-E310F1DA1D4B}" type="datetimeFigureOut">
               <a:rPr lang="es-US" smtClean="0"/>
-              <a:t>2/21/2024</a:t>
+              <a:t>2/28/2024</a:t>
             </a:fld>
             <a:endParaRPr lang="es-US"/>
           </a:p>
@@ -1830,7 +1831,7 @@
           <a:p>
             <a:fld id="{1EB1FFC7-7625-4DE6-9638-E310F1DA1D4B}" type="datetimeFigureOut">
               <a:rPr lang="es-US" smtClean="0"/>
-              <a:t>2/21/2024</a:t>
+              <a:t>2/28/2024</a:t>
             </a:fld>
             <a:endParaRPr lang="es-US"/>
           </a:p>
@@ -1972,7 +1973,7 @@
           <a:p>
             <a:fld id="{1EB1FFC7-7625-4DE6-9638-E310F1DA1D4B}" type="datetimeFigureOut">
               <a:rPr lang="es-US" smtClean="0"/>
-              <a:t>2/21/2024</a:t>
+              <a:t>2/28/2024</a:t>
             </a:fld>
             <a:endParaRPr lang="es-US"/>
           </a:p>
@@ -2085,7 +2086,7 @@
           <a:p>
             <a:fld id="{1EB1FFC7-7625-4DE6-9638-E310F1DA1D4B}" type="datetimeFigureOut">
               <a:rPr lang="es-US" smtClean="0"/>
-              <a:t>2/21/2024</a:t>
+              <a:t>2/28/2024</a:t>
             </a:fld>
             <a:endParaRPr lang="es-US"/>
           </a:p>
@@ -2398,7 +2399,7 @@
           <a:p>
             <a:fld id="{1EB1FFC7-7625-4DE6-9638-E310F1DA1D4B}" type="datetimeFigureOut">
               <a:rPr lang="es-US" smtClean="0"/>
-              <a:t>2/21/2024</a:t>
+              <a:t>2/28/2024</a:t>
             </a:fld>
             <a:endParaRPr lang="es-US"/>
           </a:p>
@@ -2687,7 +2688,7 @@
           <a:p>
             <a:fld id="{1EB1FFC7-7625-4DE6-9638-E310F1DA1D4B}" type="datetimeFigureOut">
               <a:rPr lang="es-US" smtClean="0"/>
-              <a:t>2/21/2024</a:t>
+              <a:t>2/28/2024</a:t>
             </a:fld>
             <a:endParaRPr lang="es-US"/>
           </a:p>
@@ -2930,7 +2931,7 @@
           <a:p>
             <a:fld id="{1EB1FFC7-7625-4DE6-9638-E310F1DA1D4B}" type="datetimeFigureOut">
               <a:rPr lang="es-US" smtClean="0"/>
-              <a:t>2/21/2024</a:t>
+              <a:t>2/28/2024</a:t>
             </a:fld>
             <a:endParaRPr lang="es-US"/>
           </a:p>
@@ -3782,6 +3783,259 @@
 </p:sld>
 </file>
 
+<file path=ppt/slides/slide2.xml><?xml version="1.0" encoding="utf-8"?>
+<p:sld xmlns:a="http://schemas.openxmlformats.org/drawingml/2006/main" xmlns:r="http://schemas.openxmlformats.org/officeDocument/2006/relationships" xmlns:p="http://schemas.openxmlformats.org/presentationml/2006/main">
+  <p:cSld>
+    <p:spTree>
+      <p:nvGrpSpPr>
+        <p:cNvPr id="1" name=""/>
+        <p:cNvGrpSpPr/>
+        <p:nvPr/>
+      </p:nvGrpSpPr>
+      <p:grpSpPr>
+        <a:xfrm>
+          <a:off x="0" y="0"/>
+          <a:ext cx="0" cy="0"/>
+          <a:chOff x="0" y="0"/>
+          <a:chExt cx="0" cy="0"/>
+        </a:xfrm>
+      </p:grpSpPr>
+      <p:pic>
+        <p:nvPicPr>
+          <p:cNvPr id="5" name="Imagen 4">
+            <a:extLst>
+              <a:ext uri="{FF2B5EF4-FFF2-40B4-BE49-F238E27FC236}">
+                <a16:creationId xmlns:a16="http://schemas.microsoft.com/office/drawing/2014/main" id="{44362F28-932C-CD16-E3E0-BF9F95C4D004}"/>
+              </a:ext>
+            </a:extLst>
+          </p:cNvPr>
+          <p:cNvPicPr>
+            <a:picLocks noChangeAspect="1"/>
+          </p:cNvPicPr>
+          <p:nvPr/>
+        </p:nvPicPr>
+        <p:blipFill>
+          <a:blip r:embed="rId2"/>
+          <a:stretch>
+            <a:fillRect/>
+          </a:stretch>
+        </p:blipFill>
+        <p:spPr>
+          <a:xfrm>
+            <a:off x="292608" y="205983"/>
+            <a:ext cx="3351626" cy="3223017"/>
+          </a:xfrm>
+          <a:prstGeom prst="rect">
+            <a:avLst/>
+          </a:prstGeom>
+          <a:ln/>
+        </p:spPr>
+        <p:style>
+          <a:lnRef idx="2">
+            <a:schemeClr val="dk1"/>
+          </a:lnRef>
+          <a:fillRef idx="1">
+            <a:schemeClr val="lt1"/>
+          </a:fillRef>
+          <a:effectRef idx="0">
+            <a:schemeClr val="dk1"/>
+          </a:effectRef>
+          <a:fontRef idx="minor">
+            <a:schemeClr val="dk1"/>
+          </a:fontRef>
+        </p:style>
+      </p:pic>
+      <p:pic>
+        <p:nvPicPr>
+          <p:cNvPr id="7" name="Imagen 6">
+            <a:extLst>
+              <a:ext uri="{FF2B5EF4-FFF2-40B4-BE49-F238E27FC236}">
+                <a16:creationId xmlns:a16="http://schemas.microsoft.com/office/drawing/2014/main" id="{84AF79DC-71C4-0E91-86F0-BCD6C59B731E}"/>
+              </a:ext>
+            </a:extLst>
+          </p:cNvPr>
+          <p:cNvPicPr>
+            <a:picLocks noChangeAspect="1"/>
+          </p:cNvPicPr>
+          <p:nvPr/>
+        </p:nvPicPr>
+        <p:blipFill>
+          <a:blip r:embed="rId3"/>
+          <a:stretch>
+            <a:fillRect/>
+          </a:stretch>
+        </p:blipFill>
+        <p:spPr>
+          <a:xfrm>
+            <a:off x="3850422" y="205983"/>
+            <a:ext cx="3821394" cy="3281698"/>
+          </a:xfrm>
+          <a:prstGeom prst="rect">
+            <a:avLst/>
+          </a:prstGeom>
+        </p:spPr>
+        <p:style>
+          <a:lnRef idx="2">
+            <a:schemeClr val="dk1"/>
+          </a:lnRef>
+          <a:fillRef idx="1">
+            <a:schemeClr val="lt1"/>
+          </a:fillRef>
+          <a:effectRef idx="0">
+            <a:schemeClr val="dk1"/>
+          </a:effectRef>
+          <a:fontRef idx="minor">
+            <a:schemeClr val="dk1"/>
+          </a:fontRef>
+        </p:style>
+      </p:pic>
+      <p:pic>
+        <p:nvPicPr>
+          <p:cNvPr id="9" name="Imagen 8">
+            <a:extLst>
+              <a:ext uri="{FF2B5EF4-FFF2-40B4-BE49-F238E27FC236}">
+                <a16:creationId xmlns:a16="http://schemas.microsoft.com/office/drawing/2014/main" id="{D79F9914-6095-436C-135D-BB5DA2607EA1}"/>
+              </a:ext>
+            </a:extLst>
+          </p:cNvPr>
+          <p:cNvPicPr>
+            <a:picLocks noChangeAspect="1"/>
+          </p:cNvPicPr>
+          <p:nvPr/>
+        </p:nvPicPr>
+        <p:blipFill>
+          <a:blip r:embed="rId4"/>
+          <a:stretch>
+            <a:fillRect/>
+          </a:stretch>
+        </p:blipFill>
+        <p:spPr>
+          <a:xfrm>
+            <a:off x="7971222" y="205983"/>
+            <a:ext cx="3781471" cy="3281698"/>
+          </a:xfrm>
+          <a:prstGeom prst="rect">
+            <a:avLst/>
+          </a:prstGeom>
+        </p:spPr>
+        <p:style>
+          <a:lnRef idx="2">
+            <a:schemeClr val="dk1"/>
+          </a:lnRef>
+          <a:fillRef idx="1">
+            <a:schemeClr val="lt1"/>
+          </a:fillRef>
+          <a:effectRef idx="0">
+            <a:schemeClr val="dk1"/>
+          </a:effectRef>
+          <a:fontRef idx="minor">
+            <a:schemeClr val="dk1"/>
+          </a:fontRef>
+        </p:style>
+      </p:pic>
+      <p:pic>
+        <p:nvPicPr>
+          <p:cNvPr id="11" name="Imagen 10">
+            <a:extLst>
+              <a:ext uri="{FF2B5EF4-FFF2-40B4-BE49-F238E27FC236}">
+                <a16:creationId xmlns:a16="http://schemas.microsoft.com/office/drawing/2014/main" id="{0C053C06-AFB1-A29D-CE54-2C19D6B8861E}"/>
+              </a:ext>
+            </a:extLst>
+          </p:cNvPr>
+          <p:cNvPicPr>
+            <a:picLocks noChangeAspect="1"/>
+          </p:cNvPicPr>
+          <p:nvPr/>
+        </p:nvPicPr>
+        <p:blipFill>
+          <a:blip r:embed="rId5"/>
+          <a:stretch>
+            <a:fillRect/>
+          </a:stretch>
+        </p:blipFill>
+        <p:spPr>
+          <a:xfrm>
+            <a:off x="2547599" y="3632987"/>
+            <a:ext cx="7096802" cy="3238809"/>
+          </a:xfrm>
+          <a:prstGeom prst="rect">
+            <a:avLst/>
+          </a:prstGeom>
+        </p:spPr>
+      </p:pic>
+      <p:pic>
+        <p:nvPicPr>
+          <p:cNvPr id="13" name="Imagen 12">
+            <a:extLst>
+              <a:ext uri="{FF2B5EF4-FFF2-40B4-BE49-F238E27FC236}">
+                <a16:creationId xmlns:a16="http://schemas.microsoft.com/office/drawing/2014/main" id="{A487FFF3-215B-6135-11BA-10CCE04C7D94}"/>
+              </a:ext>
+            </a:extLst>
+          </p:cNvPr>
+          <p:cNvPicPr>
+            <a:picLocks noChangeAspect="1"/>
+          </p:cNvPicPr>
+          <p:nvPr/>
+        </p:nvPicPr>
+        <p:blipFill>
+          <a:blip r:embed="rId6"/>
+          <a:stretch>
+            <a:fillRect/>
+          </a:stretch>
+        </p:blipFill>
+        <p:spPr>
+          <a:xfrm>
+            <a:off x="9644401" y="3546362"/>
+            <a:ext cx="2415224" cy="3019030"/>
+          </a:xfrm>
+          <a:prstGeom prst="rect">
+            <a:avLst/>
+          </a:prstGeom>
+        </p:spPr>
+      </p:pic>
+      <p:pic>
+        <p:nvPicPr>
+          <p:cNvPr id="14" name="Imagen 13">
+            <a:extLst>
+              <a:ext uri="{FF2B5EF4-FFF2-40B4-BE49-F238E27FC236}">
+                <a16:creationId xmlns:a16="http://schemas.microsoft.com/office/drawing/2014/main" id="{905D338A-DD05-3C04-C080-974CD2905F36}"/>
+              </a:ext>
+            </a:extLst>
+          </p:cNvPr>
+          <p:cNvPicPr>
+            <a:picLocks noChangeAspect="1"/>
+          </p:cNvPicPr>
+          <p:nvPr/>
+        </p:nvPicPr>
+        <p:blipFill>
+          <a:blip r:embed="rId6"/>
+          <a:stretch>
+            <a:fillRect/>
+          </a:stretch>
+        </p:blipFill>
+        <p:spPr>
+          <a:xfrm>
+            <a:off x="67585" y="3632987"/>
+            <a:ext cx="2415224" cy="3019030"/>
+          </a:xfrm>
+          <a:prstGeom prst="rect">
+            <a:avLst/>
+          </a:prstGeom>
+        </p:spPr>
+      </p:pic>
+    </p:spTree>
+    <p:extLst>
+      <p:ext uri="{BB962C8B-B14F-4D97-AF65-F5344CB8AC3E}">
+        <p14:creationId xmlns:p14="http://schemas.microsoft.com/office/powerpoint/2010/main" val="4040517539"/>
+      </p:ext>
+    </p:extLst>
+  </p:cSld>
+  <p:clrMapOvr>
+    <a:masterClrMapping/>
+  </p:clrMapOvr>
+</p:sld>
+</file>
+
 <file path=ppt/theme/theme1.xml><?xml version="1.0" encoding="utf-8"?>
 <a:theme xmlns:a="http://schemas.openxmlformats.org/drawingml/2006/main" name="Tema de Office">
   <a:themeElements>
